--- a/3레벨 주간업무/주간업무_DX3_231221.pptx
+++ b/3레벨 주간업무/주간업무_DX3_231221.pptx
@@ -206,7 +206,7 @@
           <a:p>
             <a:fld id="{083C8555-8A23-462C-8D55-CA942BE13BE7}" type="datetimeFigureOut">
               <a:rPr lang="ko-KR" altLang="en-US" smtClean="0"/>
-              <a:t>2023-12-13</a:t>
+              <a:t>2024-01-04</a:t>
             </a:fld>
             <a:endParaRPr lang="ko-KR" altLang="en-US"/>
           </a:p>
@@ -602,7 +602,7 @@
           <a:p>
             <a:fld id="{9BF8C1C6-55C3-4345-B686-D084586F1103}" type="datetimeFigureOut">
               <a:rPr lang="ko-KR" altLang="en-US" smtClean="0"/>
-              <a:t>2023-12-13</a:t>
+              <a:t>2024-01-04</a:t>
             </a:fld>
             <a:endParaRPr lang="ko-KR" altLang="en-US"/>
           </a:p>
@@ -770,7 +770,7 @@
           <a:p>
             <a:fld id="{9BF8C1C6-55C3-4345-B686-D084586F1103}" type="datetimeFigureOut">
               <a:rPr lang="ko-KR" altLang="en-US" smtClean="0"/>
-              <a:t>2023-12-13</a:t>
+              <a:t>2024-01-04</a:t>
             </a:fld>
             <a:endParaRPr lang="ko-KR" altLang="en-US"/>
           </a:p>
@@ -948,7 +948,7 @@
           <a:p>
             <a:fld id="{9BF8C1C6-55C3-4345-B686-D084586F1103}" type="datetimeFigureOut">
               <a:rPr lang="ko-KR" altLang="en-US" smtClean="0"/>
-              <a:t>2023-12-13</a:t>
+              <a:t>2024-01-04</a:t>
             </a:fld>
             <a:endParaRPr lang="ko-KR" altLang="en-US"/>
           </a:p>
@@ -1116,7 +1116,7 @@
           <a:p>
             <a:fld id="{9BF8C1C6-55C3-4345-B686-D084586F1103}" type="datetimeFigureOut">
               <a:rPr lang="ko-KR" altLang="en-US" smtClean="0"/>
-              <a:t>2023-12-13</a:t>
+              <a:t>2024-01-04</a:t>
             </a:fld>
             <a:endParaRPr lang="ko-KR" altLang="en-US"/>
           </a:p>
@@ -1361,7 +1361,7 @@
           <a:p>
             <a:fld id="{9BF8C1C6-55C3-4345-B686-D084586F1103}" type="datetimeFigureOut">
               <a:rPr lang="ko-KR" altLang="en-US" smtClean="0"/>
-              <a:t>2023-12-13</a:t>
+              <a:t>2024-01-04</a:t>
             </a:fld>
             <a:endParaRPr lang="ko-KR" altLang="en-US"/>
           </a:p>
@@ -1590,7 +1590,7 @@
           <a:p>
             <a:fld id="{9BF8C1C6-55C3-4345-B686-D084586F1103}" type="datetimeFigureOut">
               <a:rPr lang="ko-KR" altLang="en-US" smtClean="0"/>
-              <a:t>2023-12-13</a:t>
+              <a:t>2024-01-04</a:t>
             </a:fld>
             <a:endParaRPr lang="ko-KR" altLang="en-US"/>
           </a:p>
@@ -1954,7 +1954,7 @@
           <a:p>
             <a:fld id="{9BF8C1C6-55C3-4345-B686-D084586F1103}" type="datetimeFigureOut">
               <a:rPr lang="ko-KR" altLang="en-US" smtClean="0"/>
-              <a:t>2023-12-13</a:t>
+              <a:t>2024-01-04</a:t>
             </a:fld>
             <a:endParaRPr lang="ko-KR" altLang="en-US"/>
           </a:p>
@@ -2071,7 +2071,7 @@
           <a:p>
             <a:fld id="{9BF8C1C6-55C3-4345-B686-D084586F1103}" type="datetimeFigureOut">
               <a:rPr lang="ko-KR" altLang="en-US" smtClean="0"/>
-              <a:t>2023-12-13</a:t>
+              <a:t>2024-01-04</a:t>
             </a:fld>
             <a:endParaRPr lang="ko-KR" altLang="en-US"/>
           </a:p>
@@ -2166,7 +2166,7 @@
           <a:p>
             <a:fld id="{9BF8C1C6-55C3-4345-B686-D084586F1103}" type="datetimeFigureOut">
               <a:rPr lang="ko-KR" altLang="en-US" smtClean="0"/>
-              <a:t>2023-12-13</a:t>
+              <a:t>2024-01-04</a:t>
             </a:fld>
             <a:endParaRPr lang="ko-KR" altLang="en-US"/>
           </a:p>
@@ -2441,7 +2441,7 @@
           <a:p>
             <a:fld id="{9BF8C1C6-55C3-4345-B686-D084586F1103}" type="datetimeFigureOut">
               <a:rPr lang="ko-KR" altLang="en-US" smtClean="0"/>
-              <a:t>2023-12-13</a:t>
+              <a:t>2024-01-04</a:t>
             </a:fld>
             <a:endParaRPr lang="ko-KR" altLang="en-US"/>
           </a:p>
@@ -2693,7 +2693,7 @@
           <a:p>
             <a:fld id="{9BF8C1C6-55C3-4345-B686-D084586F1103}" type="datetimeFigureOut">
               <a:rPr lang="ko-KR" altLang="en-US" smtClean="0"/>
-              <a:t>2023-12-13</a:t>
+              <a:t>2024-01-04</a:t>
             </a:fld>
             <a:endParaRPr lang="ko-KR" altLang="en-US"/>
           </a:p>
@@ -2904,7 +2904,7 @@
           <a:p>
             <a:fld id="{9BF8C1C6-55C3-4345-B686-D084586F1103}" type="datetimeFigureOut">
               <a:rPr lang="ko-KR" altLang="en-US" smtClean="0"/>
-              <a:t>2023-12-13</a:t>
+              <a:t>2024-01-04</a:t>
             </a:fld>
             <a:endParaRPr lang="ko-KR" altLang="en-US"/>
           </a:p>
@@ -3697,7 +3697,7 @@
           <p:cNvPr id="5" name="표 4">
             <a:extLst>
               <a:ext uri="{FF2B5EF4-FFF2-40B4-BE49-F238E27FC236}">
-                <a16:creationId xmlns="" xmlns:a16="http://schemas.microsoft.com/office/drawing/2014/main" id="{0126CBF6-BD6B-4D6B-A960-9A2611280EA6}"/>
+                <a16:creationId xmlns:a16="http://schemas.microsoft.com/office/drawing/2014/main" xmlns="" id="{0126CBF6-BD6B-4D6B-A960-9A2611280EA6}"/>
               </a:ext>
             </a:extLst>
           </p:cNvPr>
@@ -3726,21 +3726,21 @@
                 <a:gridCol w="606426">
                   <a:extLst>
                     <a:ext uri="{9D8B030D-6E8A-4147-A177-3AD203B41FA5}">
-                      <a16:colId xmlns="" xmlns:a16="http://schemas.microsoft.com/office/drawing/2014/main" val="20000"/>
+                      <a16:colId xmlns:a16="http://schemas.microsoft.com/office/drawing/2014/main" xmlns="" val="20000"/>
                     </a:ext>
                   </a:extLst>
                 </a:gridCol>
                 <a:gridCol w="5491024">
                   <a:extLst>
                     <a:ext uri="{9D8B030D-6E8A-4147-A177-3AD203B41FA5}">
-                      <a16:colId xmlns="" xmlns:a16="http://schemas.microsoft.com/office/drawing/2014/main" val="20001"/>
+                      <a16:colId xmlns:a16="http://schemas.microsoft.com/office/drawing/2014/main" xmlns="" val="20001"/>
                     </a:ext>
                   </a:extLst>
                 </a:gridCol>
                 <a:gridCol w="5491024">
                   <a:extLst>
                     <a:ext uri="{9D8B030D-6E8A-4147-A177-3AD203B41FA5}">
-                      <a16:colId xmlns="" xmlns:a16="http://schemas.microsoft.com/office/drawing/2014/main" val="20002"/>
+                      <a16:colId xmlns:a16="http://schemas.microsoft.com/office/drawing/2014/main" xmlns="" val="20002"/>
                     </a:ext>
                   </a:extLst>
                 </a:gridCol>
@@ -3967,7 +3967,7 @@
                 </a:tc>
                 <a:extLst>
                   <a:ext uri="{0D108BD9-81ED-4DB2-BD59-A6C34878D82A}">
-                    <a16:rowId xmlns="" xmlns:a16="http://schemas.microsoft.com/office/drawing/2014/main" val="10000"/>
+                    <a16:rowId xmlns:a16="http://schemas.microsoft.com/office/drawing/2014/main" xmlns="" val="10000"/>
                   </a:ext>
                 </a:extLst>
               </a:tr>
@@ -4888,15 +4888,6 @@
                         </a:rPr>
                         <a:t>)</a:t>
                       </a:r>
-                      <a:endParaRPr kumimoji="1" lang="en-US" altLang="ko-KR" sz="900" kern="1200" baseline="0" dirty="0" smtClean="0">
-                        <a:solidFill>
-                          <a:schemeClr val="tx1"/>
-                        </a:solidFill>
-                        <a:latin typeface="LG스마트체 Regular" panose="020B0600000101010101" pitchFamily="50" charset="-127"/>
-                        <a:ea typeface="LG스마트체 Regular" panose="020B0600000101010101" pitchFamily="50" charset="-127"/>
-                        <a:cs typeface="+mn-cs"/>
-                        <a:sym typeface="Wingdings" panose="05000000000000000000" pitchFamily="2" charset="2"/>
-                      </a:endParaRPr>
                     </a:p>
                     <a:p>
                       <a:pPr marL="0" marR="0" lvl="0" indent="0" algn="l" defTabSz="914400" rtl="0" eaLnBrk="1" fontAlgn="auto" latinLnBrk="1" hangingPunct="1">
@@ -6210,19 +6201,7 @@
                           <a:cs typeface="+mn-cs"/>
                           <a:sym typeface="Wingdings" panose="05000000000000000000" pitchFamily="2" charset="2"/>
                         </a:rPr>
-                        <a:t>추가 개선 작업 </a:t>
-                      </a:r>
-                      <a:r>
-                        <a:rPr lang="ko-KR" altLang="en-US" sz="900" kern="1200" baseline="0" dirty="0" smtClean="0">
-                          <a:solidFill>
-                            <a:schemeClr val="tx1"/>
-                          </a:solidFill>
-                          <a:latin typeface="LG스마트체 Regular" panose="020B0600000101010101" pitchFamily="50" charset="-127"/>
-                          <a:ea typeface="LG스마트체 Regular" panose="020B0600000101010101" pitchFamily="50" charset="-127"/>
-                          <a:cs typeface="+mn-cs"/>
-                          <a:sym typeface="Wingdings" panose="05000000000000000000" pitchFamily="2" charset="2"/>
-                        </a:rPr>
-                        <a:t>진행</a:t>
+                        <a:t>추가 개선 작업 진행</a:t>
                       </a:r>
                       <a:endParaRPr lang="en-US" altLang="ko-KR" sz="900" kern="1200" baseline="0" dirty="0" smtClean="0">
                         <a:solidFill>
@@ -6439,7 +6418,7 @@
                 </a:tc>
                 <a:extLst>
                   <a:ext uri="{0D108BD9-81ED-4DB2-BD59-A6C34878D82A}">
-                    <a16:rowId xmlns="" xmlns:a16="http://schemas.microsoft.com/office/drawing/2014/main" val="10001"/>
+                    <a16:rowId xmlns:a16="http://schemas.microsoft.com/office/drawing/2014/main" xmlns="" val="10001"/>
                   </a:ext>
                 </a:extLst>
               </a:tr>
@@ -6814,7 +6793,7 @@
                 </a:tc>
                 <a:extLst>
                   <a:ext uri="{0D108BD9-81ED-4DB2-BD59-A6C34878D82A}">
-                    <a16:rowId xmlns="" xmlns:a16="http://schemas.microsoft.com/office/drawing/2014/main" val="10002"/>
+                    <a16:rowId xmlns:a16="http://schemas.microsoft.com/office/drawing/2014/main" xmlns="" val="10002"/>
                   </a:ext>
                 </a:extLst>
               </a:tr>
@@ -7020,6 +6999,30 @@
           </a:p>
         </p:txBody>
       </p:sp>
+      <p:pic>
+        <p:nvPicPr>
+          <p:cNvPr id="11" name="그림 10"/>
+          <p:cNvPicPr>
+            <a:picLocks noChangeAspect="1"/>
+          </p:cNvPicPr>
+          <p:nvPr/>
+        </p:nvPicPr>
+        <p:blipFill>
+          <a:blip r:embed="rId3"/>
+          <a:stretch>
+            <a:fillRect/>
+          </a:stretch>
+        </p:blipFill>
+        <p:spPr>
+          <a:xfrm>
+            <a:off x="20266" y="0"/>
+            <a:ext cx="12151468" cy="6858000"/>
+          </a:xfrm>
+          <a:prstGeom prst="rect">
+            <a:avLst/>
+          </a:prstGeom>
+        </p:spPr>
+      </p:pic>
     </p:spTree>
     <p:extLst>
       <p:ext uri="{BB962C8B-B14F-4D97-AF65-F5344CB8AC3E}">
